--- a/2 - Approche agile/5 - Git/Formation Git.pptx
+++ b/2 - Approche agile/5 - Git/Formation Git.pptx
@@ -1249,7 +1249,7 @@
           <a:p>
             <a:fld id="{4AAD347D-5ACD-4C99-B74B-A9C85AD731AF}" type="datetimeFigureOut">
               <a:rPr lang="en-US" smtClean="0"/>
-              <a:t>1/18/2024</a:t>
+              <a:t>1/19/2024</a:t>
             </a:fld>
             <a:endParaRPr lang="en-US" dirty="0"/>
           </a:p>
@@ -1500,7 +1500,7 @@
           <a:p>
             <a:fld id="{4AAD347D-5ACD-4C99-B74B-A9C85AD731AF}" type="datetimeFigureOut">
               <a:rPr lang="en-US" smtClean="0"/>
-              <a:t>1/18/2024</a:t>
+              <a:t>1/19/2024</a:t>
             </a:fld>
             <a:endParaRPr lang="en-US" dirty="0"/>
           </a:p>
@@ -1815,7 +1815,7 @@
           <a:p>
             <a:fld id="{4AAD347D-5ACD-4C99-B74B-A9C85AD731AF}" type="datetimeFigureOut">
               <a:rPr lang="en-US" smtClean="0"/>
-              <a:t>1/18/2024</a:t>
+              <a:t>1/19/2024</a:t>
             </a:fld>
             <a:endParaRPr lang="en-US" dirty="0"/>
           </a:p>
@@ -2157,7 +2157,7 @@
           <a:p>
             <a:fld id="{4509A250-FF31-4206-8172-F9D3106AACB1}" type="datetimeFigureOut">
               <a:rPr lang="en-US" smtClean="0"/>
-              <a:t>1/18/2024</a:t>
+              <a:t>1/19/2024</a:t>
             </a:fld>
             <a:endParaRPr lang="en-US" dirty="0"/>
           </a:p>
@@ -2472,7 +2472,7 @@
           <a:p>
             <a:fld id="{4AAD347D-5ACD-4C99-B74B-A9C85AD731AF}" type="datetimeFigureOut">
               <a:rPr lang="en-US" smtClean="0"/>
-              <a:t>1/18/2024</a:t>
+              <a:t>1/19/2024</a:t>
             </a:fld>
             <a:endParaRPr lang="en-US" dirty="0"/>
           </a:p>
@@ -2866,7 +2866,7 @@
           <a:p>
             <a:fld id="{4AAD347D-5ACD-4C99-B74B-A9C85AD731AF}" type="datetimeFigureOut">
               <a:rPr lang="en-US" smtClean="0"/>
-              <a:t>1/18/2024</a:t>
+              <a:t>1/19/2024</a:t>
             </a:fld>
             <a:endParaRPr lang="en-US" dirty="0"/>
           </a:p>
@@ -3037,7 +3037,7 @@
           <a:p>
             <a:fld id="{4509A250-FF31-4206-8172-F9D3106AACB1}" type="datetimeFigureOut">
               <a:rPr lang="en-US" smtClean="0"/>
-              <a:t>1/18/2024</a:t>
+              <a:t>1/19/2024</a:t>
             </a:fld>
             <a:endParaRPr lang="en-US" dirty="0"/>
           </a:p>
@@ -3218,7 +3218,7 @@
           <a:p>
             <a:fld id="{4509A250-FF31-4206-8172-F9D3106AACB1}" type="datetimeFigureOut">
               <a:rPr lang="en-US" smtClean="0"/>
-              <a:t>1/18/2024</a:t>
+              <a:t>1/19/2024</a:t>
             </a:fld>
             <a:endParaRPr lang="en-US" dirty="0"/>
           </a:p>
@@ -3395,7 +3395,7 @@
           <a:p>
             <a:fld id="{4509A250-FF31-4206-8172-F9D3106AACB1}" type="datetimeFigureOut">
               <a:rPr lang="en-US" smtClean="0"/>
-              <a:t>1/18/2024</a:t>
+              <a:t>1/19/2024</a:t>
             </a:fld>
             <a:endParaRPr lang="en-US" dirty="0"/>
           </a:p>
@@ -3643,7 +3643,7 @@
           <a:p>
             <a:fld id="{9796027F-7875-4030-9381-8BD8C4F21935}" type="datetimeFigureOut">
               <a:rPr lang="en-US" smtClean="0"/>
-              <a:t>1/18/2024</a:t>
+              <a:t>1/19/2024</a:t>
             </a:fld>
             <a:endParaRPr lang="en-US" dirty="0"/>
           </a:p>
@@ -3876,7 +3876,7 @@
           <a:p>
             <a:fld id="{9796027F-7875-4030-9381-8BD8C4F21935}" type="datetimeFigureOut">
               <a:rPr lang="en-US" smtClean="0"/>
-              <a:t>1/18/2024</a:t>
+              <a:t>1/19/2024</a:t>
             </a:fld>
             <a:endParaRPr lang="en-US" dirty="0"/>
           </a:p>
@@ -4251,7 +4251,7 @@
           <a:p>
             <a:fld id="{9796027F-7875-4030-9381-8BD8C4F21935}" type="datetimeFigureOut">
               <a:rPr lang="en-US" smtClean="0"/>
-              <a:t>1/18/2024</a:t>
+              <a:t>1/19/2024</a:t>
             </a:fld>
             <a:endParaRPr lang="en-US" dirty="0"/>
           </a:p>
@@ -4375,7 +4375,7 @@
           <a:p>
             <a:fld id="{4509A250-FF31-4206-8172-F9D3106AACB1}" type="datetimeFigureOut">
               <a:rPr lang="en-US" smtClean="0"/>
-              <a:t>1/18/2024</a:t>
+              <a:t>1/19/2024</a:t>
             </a:fld>
             <a:endParaRPr lang="en-US" dirty="0"/>
           </a:p>
@@ -4471,7 +4471,7 @@
           <a:p>
             <a:fld id="{4509A250-FF31-4206-8172-F9D3106AACB1}" type="datetimeFigureOut">
               <a:rPr lang="en-US" smtClean="0"/>
-              <a:t>1/18/2024</a:t>
+              <a:t>1/19/2024</a:t>
             </a:fld>
             <a:endParaRPr lang="en-US" dirty="0"/>
           </a:p>
@@ -4727,7 +4727,7 @@
           <a:p>
             <a:fld id="{4509A250-FF31-4206-8172-F9D3106AACB1}" type="datetimeFigureOut">
               <a:rPr lang="en-US" smtClean="0"/>
-              <a:t>1/18/2024</a:t>
+              <a:t>1/19/2024</a:t>
             </a:fld>
             <a:endParaRPr lang="en-US" dirty="0"/>
           </a:p>
@@ -4991,7 +4991,7 @@
           <a:p>
             <a:fld id="{4509A250-FF31-4206-8172-F9D3106AACB1}" type="datetimeFigureOut">
               <a:rPr lang="en-US" smtClean="0"/>
-              <a:t>1/18/2024</a:t>
+              <a:t>1/19/2024</a:t>
             </a:fld>
             <a:endParaRPr lang="en-US" dirty="0"/>
           </a:p>
@@ -5735,7 +5735,7 @@
           <a:p>
             <a:fld id="{4AAD347D-5ACD-4C99-B74B-A9C85AD731AF}" type="datetimeFigureOut">
               <a:rPr lang="en-US" smtClean="0"/>
-              <a:t>1/18/2024</a:t>
+              <a:t>1/19/2024</a:t>
             </a:fld>
             <a:endParaRPr lang="en-US" dirty="0"/>
           </a:p>
@@ -11518,7 +11518,7 @@
         </p:spPr>
         <p:txBody>
           <a:bodyPr>
-            <a:normAutofit/>
+            <a:normAutofit lnSpcReduction="10000"/>
           </a:bodyPr>
           <a:lstStyle/>
           <a:p>
@@ -11626,6 +11626,40 @@
           </a:p>
           <a:p>
             <a:r>
+              <a:rPr lang="fr-FR" dirty="0" err="1"/>
+              <a:t>Stagez</a:t>
+            </a:r>
+            <a:r>
+              <a:rPr lang="fr-FR" dirty="0"/>
+              <a:t> le avec </a:t>
+            </a:r>
+            <a:r>
+              <a:rPr lang="fr-FR" b="1" dirty="0">
+                <a:solidFill>
+                  <a:srgbClr val="FF0000"/>
+                </a:solidFill>
+              </a:rPr>
+              <a:t>git </a:t>
+            </a:r>
+            <a:r>
+              <a:rPr lang="fr-FR" b="1" dirty="0" err="1">
+                <a:solidFill>
+                  <a:srgbClr val="FF0000"/>
+                </a:solidFill>
+              </a:rPr>
+              <a:t>add</a:t>
+            </a:r>
+            <a:r>
+              <a:rPr lang="fr-FR" b="1" dirty="0">
+                <a:solidFill>
+                  <a:srgbClr val="FF0000"/>
+                </a:solidFill>
+              </a:rPr>
+              <a:t> .</a:t>
+            </a:r>
+          </a:p>
+          <a:p>
+            <a:r>
               <a:rPr lang="fr-FR" dirty="0"/>
               <a:t>Consultez le </a:t>
             </a:r>
@@ -11644,38 +11678,22 @@
               <a:t>Tapez </a:t>
             </a:r>
             <a:r>
-              <a:rPr lang="fr-FR" b="1" dirty="0">
-                <a:solidFill>
-                  <a:srgbClr val="FF0000"/>
-                </a:solidFill>
-              </a:rPr>
-              <a:t>git restore –</a:t>
-            </a:r>
-            <a:r>
-              <a:rPr lang="fr-FR" b="1" dirty="0" err="1">
-                <a:solidFill>
-                  <a:srgbClr val="FF0000"/>
-                </a:solidFill>
-              </a:rPr>
-              <a:t>staged</a:t>
-            </a:r>
-            <a:r>
-              <a:rPr lang="fr-FR" b="1" dirty="0">
-                <a:solidFill>
-                  <a:srgbClr val="FF0000"/>
-                </a:solidFill>
-              </a:rPr>
-              <a:t> </a:t>
-            </a:r>
-            <a:r>
-              <a:rPr lang="fr-FR" b="1" dirty="0" err="1">
-                <a:solidFill>
-                  <a:srgbClr val="FF0000"/>
-                </a:solidFill>
-              </a:rPr>
-              <a:t>produit.php</a:t>
-            </a:r>
-            <a:endParaRPr lang="fr-FR" b="1" dirty="0">
+              <a:rPr lang="en-US" b="1" dirty="0">
+                <a:solidFill>
+                  <a:srgbClr val="FF0000"/>
+                </a:solidFill>
+              </a:rPr>
+              <a:t>git rm --cached </a:t>
+            </a:r>
+            <a:r>
+              <a:rPr lang="en-US" b="1" dirty="0" err="1">
+                <a:solidFill>
+                  <a:srgbClr val="FF0000"/>
+                </a:solidFill>
+              </a:rPr>
+              <a:t>service.php</a:t>
+            </a:r>
+            <a:endParaRPr lang="en-US" b="1" dirty="0">
               <a:solidFill>
                 <a:srgbClr val="FF0000"/>
               </a:solidFill>
@@ -11684,8 +11702,38 @@
           <a:p>
             <a:r>
               <a:rPr lang="fr-FR" dirty="0"/>
-              <a:t>Consulter votre fichier</a:t>
-            </a:r>
+              <a:t>Consultez le </a:t>
+            </a:r>
+            <a:r>
+              <a:rPr lang="fr-FR" dirty="0" err="1"/>
+              <a:t>status</a:t>
+            </a:r>
+            <a:r>
+              <a:rPr lang="fr-FR" dirty="0"/>
+              <a:t> de votre repo</a:t>
+            </a:r>
+          </a:p>
+          <a:p>
+            <a:r>
+              <a:rPr lang="en-US" dirty="0" err="1"/>
+              <a:t>Tirez</a:t>
+            </a:r>
+            <a:r>
+              <a:rPr lang="en-US" dirty="0"/>
+              <a:t> </a:t>
+            </a:r>
+            <a:r>
+              <a:rPr lang="en-US" dirty="0" err="1"/>
+              <a:t>votre</a:t>
+            </a:r>
+            <a:r>
+              <a:rPr lang="en-US" dirty="0"/>
+              <a:t> conclusion</a:t>
+            </a:r>
+            <a:endParaRPr lang="fr-FR" dirty="0"/>
+          </a:p>
+          <a:p>
+            <a:endParaRPr lang="fr-FR" dirty="0"/>
           </a:p>
           <a:p>
             <a:endParaRPr lang="fr-FR" dirty="0"/>
@@ -11991,7 +12039,7 @@
                   <a:srgbClr val="FF0000"/>
                 </a:solidFill>
               </a:rPr>
-              <a:t> –all</a:t>
+              <a:t> -–all</a:t>
             </a:r>
           </a:p>
           <a:p>
@@ -12019,7 +12067,7 @@
                   <a:srgbClr val="FF0000"/>
                 </a:solidFill>
               </a:rPr>
-              <a:t>staget</a:t>
+              <a:t>staged</a:t>
             </a:r>
             <a:r>
               <a:rPr lang="fr-FR" sz="1600" b="1" dirty="0">
